--- a/5-project/presentation.pptx
+++ b/5-project/presentation.pptx
@@ -10690,7 +10690,7 @@
         </p:blipFill>
         <p:spPr>
           <a:xfrm>
-            <a:off x="417442" y="848138"/>
+            <a:off x="1605673" y="740562"/>
             <a:ext cx="5088836" cy="4173383"/>
           </a:xfrm>
           <a:prstGeom prst="rect">
@@ -10772,10 +10772,10 @@
       </p:sp>
       <p:pic>
         <p:nvPicPr>
-          <p:cNvPr id="4" name="Picture 3">
+          <p:cNvPr id="3" name="Picture 2">
             <a:extLst>
               <a:ext uri="{FF2B5EF4-FFF2-40B4-BE49-F238E27FC236}">
-                <a16:creationId xmlns:a16="http://schemas.microsoft.com/office/drawing/2014/main" id="{0964690E-801E-F016-4383-5D2268CAB0CE}"/>
+                <a16:creationId xmlns:a16="http://schemas.microsoft.com/office/drawing/2014/main" id="{66400D31-E1B3-8C89-A697-48E2D2DA5534}"/>
               </a:ext>
             </a:extLst>
           </p:cNvPr>
@@ -10792,8 +10792,8 @@
         </p:blipFill>
         <p:spPr>
           <a:xfrm>
-            <a:off x="384313" y="937808"/>
-            <a:ext cx="5671930" cy="3886322"/>
+            <a:off x="303045" y="811272"/>
+            <a:ext cx="6137323" cy="4332228"/>
           </a:xfrm>
           <a:prstGeom prst="rect">
             <a:avLst/>
